--- a/MSC_Marc_tutorial/temp.pptx
+++ b/MSC_Marc_tutorial/temp.pptx
@@ -11102,7 +11102,7 @@
         </p:nvSpPr>
         <p:spPr>
           <a:xfrm>
-            <a:off x="1410749" y="1276463"/>
+            <a:off x="1410749" y="1228397"/>
             <a:ext cx="5213641" cy="4401205"/>
           </a:xfrm>
           <a:prstGeom prst="rect">
@@ -11217,6 +11217,66 @@
           </a:p>
         </p:txBody>
       </p:sp>
+      <p:pic>
+        <p:nvPicPr>
+          <p:cNvPr id="4" name="図 3">
+            <a:extLst>
+              <a:ext uri="{FF2B5EF4-FFF2-40B4-BE49-F238E27FC236}">
+                <a16:creationId xmlns:a16="http://schemas.microsoft.com/office/drawing/2014/main" id="{6112F0B9-05EA-4D38-A873-3E8F997B2076}"/>
+              </a:ext>
+            </a:extLst>
+          </p:cNvPr>
+          <p:cNvPicPr>
+            <a:picLocks noChangeAspect="1"/>
+          </p:cNvPicPr>
+          <p:nvPr/>
+        </p:nvPicPr>
+        <p:blipFill>
+          <a:blip r:embed="rId2"/>
+          <a:stretch>
+            <a:fillRect/>
+          </a:stretch>
+        </p:blipFill>
+        <p:spPr>
+          <a:xfrm>
+            <a:off x="1892212" y="1367697"/>
+            <a:ext cx="3429176" cy="3594285"/>
+          </a:xfrm>
+          <a:prstGeom prst="rect">
+            <a:avLst/>
+          </a:prstGeom>
+        </p:spPr>
+      </p:pic>
+      <p:pic>
+        <p:nvPicPr>
+          <p:cNvPr id="7" name="図 6">
+            <a:extLst>
+              <a:ext uri="{FF2B5EF4-FFF2-40B4-BE49-F238E27FC236}">
+                <a16:creationId xmlns:a16="http://schemas.microsoft.com/office/drawing/2014/main" id="{AC152894-1F7F-47BA-A6F0-8526835D7CBC}"/>
+              </a:ext>
+            </a:extLst>
+          </p:cNvPr>
+          <p:cNvPicPr>
+            <a:picLocks noChangeAspect="1"/>
+          </p:cNvPicPr>
+          <p:nvPr/>
+        </p:nvPicPr>
+        <p:blipFill>
+          <a:blip r:embed="rId3"/>
+          <a:stretch>
+            <a:fillRect/>
+          </a:stretch>
+        </p:blipFill>
+        <p:spPr>
+          <a:xfrm>
+            <a:off x="5605755" y="1405799"/>
+            <a:ext cx="3340272" cy="3556183"/>
+          </a:xfrm>
+          <a:prstGeom prst="rect">
+            <a:avLst/>
+          </a:prstGeom>
+        </p:spPr>
+      </p:pic>
     </p:spTree>
     <p:extLst>
       <p:ext uri="{BB962C8B-B14F-4D97-AF65-F5344CB8AC3E}">

--- a/MSC_Marc_tutorial/temp.pptx
+++ b/MSC_Marc_tutorial/temp.pptx
@@ -12436,6 +12436,36 @@
           </a:p>
         </p:txBody>
       </p:sp>
+      <p:pic>
+        <p:nvPicPr>
+          <p:cNvPr id="4" name="図 3">
+            <a:extLst>
+              <a:ext uri="{FF2B5EF4-FFF2-40B4-BE49-F238E27FC236}">
+                <a16:creationId xmlns:a16="http://schemas.microsoft.com/office/drawing/2014/main" id="{1A238801-E4FD-433F-B165-10AAD5D42621}"/>
+              </a:ext>
+            </a:extLst>
+          </p:cNvPr>
+          <p:cNvPicPr>
+            <a:picLocks noChangeAspect="1"/>
+          </p:cNvPicPr>
+          <p:nvPr/>
+        </p:nvPicPr>
+        <p:blipFill>
+          <a:blip r:embed="rId2"/>
+          <a:stretch>
+            <a:fillRect/>
+          </a:stretch>
+        </p:blipFill>
+        <p:spPr>
+          <a:xfrm>
+            <a:off x="2835107" y="1314341"/>
+            <a:ext cx="6521785" cy="4229317"/>
+          </a:xfrm>
+          <a:prstGeom prst="rect">
+            <a:avLst/>
+          </a:prstGeom>
+        </p:spPr>
+      </p:pic>
     </p:spTree>
     <p:extLst>
       <p:ext uri="{BB962C8B-B14F-4D97-AF65-F5344CB8AC3E}">
